--- a/kadai-3/CP-JohnsonOutput-Blank_3-5.pptx
+++ b/kadai-3/CP-JohnsonOutput-Blank_3-5.pptx
@@ -504,7 +504,7 @@
           <a:p>
             <a:fld id="{8C79BBDF-9609-6441-8014-3532B89A3E0A}" type="datetimeFigureOut">
               <a:rPr kumimoji="1" lang="ja-JP" altLang="en-US" smtClean="0"/>
-              <a:t>2024/11/11</a:t>
+              <a:t>2024/12/2</a:t>
             </a:fld>
             <a:endParaRPr kumimoji="1" lang="ja-JP" altLang="en-US"/>
           </a:p>
@@ -706,7 +706,7 @@
           <a:p>
             <a:fld id="{8C79BBDF-9609-6441-8014-3532B89A3E0A}" type="datetimeFigureOut">
               <a:rPr kumimoji="1" lang="ja-JP" altLang="en-US" smtClean="0"/>
-              <a:t>2024/11/11</a:t>
+              <a:t>2024/12/2</a:t>
             </a:fld>
             <a:endParaRPr kumimoji="1" lang="ja-JP" altLang="en-US"/>
           </a:p>
@@ -918,7 +918,7 @@
           <a:p>
             <a:fld id="{8C79BBDF-9609-6441-8014-3532B89A3E0A}" type="datetimeFigureOut">
               <a:rPr kumimoji="1" lang="ja-JP" altLang="en-US" smtClean="0"/>
-              <a:t>2024/11/11</a:t>
+              <a:t>2024/12/2</a:t>
             </a:fld>
             <a:endParaRPr kumimoji="1" lang="ja-JP" altLang="en-US"/>
           </a:p>
@@ -1120,7 +1120,7 @@
           <a:p>
             <a:fld id="{8C79BBDF-9609-6441-8014-3532B89A3E0A}" type="datetimeFigureOut">
               <a:rPr kumimoji="1" lang="ja-JP" altLang="en-US" smtClean="0"/>
-              <a:t>2024/11/11</a:t>
+              <a:t>2024/12/2</a:t>
             </a:fld>
             <a:endParaRPr kumimoji="1" lang="ja-JP" altLang="en-US"/>
           </a:p>
@@ -1364,7 +1364,7 @@
           <a:p>
             <a:fld id="{8C79BBDF-9609-6441-8014-3532B89A3E0A}" type="datetimeFigureOut">
               <a:rPr kumimoji="1" lang="ja-JP" altLang="en-US" smtClean="0"/>
-              <a:t>2024/11/11</a:t>
+              <a:t>2024/12/2</a:t>
             </a:fld>
             <a:endParaRPr kumimoji="1" lang="ja-JP" altLang="en-US"/>
           </a:p>
@@ -1660,7 +1660,7 @@
           <a:p>
             <a:fld id="{8C79BBDF-9609-6441-8014-3532B89A3E0A}" type="datetimeFigureOut">
               <a:rPr kumimoji="1" lang="ja-JP" altLang="en-US" smtClean="0"/>
-              <a:t>2024/11/11</a:t>
+              <a:t>2024/12/2</a:t>
             </a:fld>
             <a:endParaRPr kumimoji="1" lang="ja-JP" altLang="en-US"/>
           </a:p>
@@ -2091,7 +2091,7 @@
           <a:p>
             <a:fld id="{8C79BBDF-9609-6441-8014-3532B89A3E0A}" type="datetimeFigureOut">
               <a:rPr kumimoji="1" lang="ja-JP" altLang="en-US" smtClean="0"/>
-              <a:t>2024/11/11</a:t>
+              <a:t>2024/12/2</a:t>
             </a:fld>
             <a:endParaRPr kumimoji="1" lang="ja-JP" altLang="en-US"/>
           </a:p>
@@ -2209,7 +2209,7 @@
           <a:p>
             <a:fld id="{8C79BBDF-9609-6441-8014-3532B89A3E0A}" type="datetimeFigureOut">
               <a:rPr kumimoji="1" lang="ja-JP" altLang="en-US" smtClean="0"/>
-              <a:t>2024/11/11</a:t>
+              <a:t>2024/12/2</a:t>
             </a:fld>
             <a:endParaRPr kumimoji="1" lang="ja-JP" altLang="en-US"/>
           </a:p>
@@ -2304,7 +2304,7 @@
           <a:p>
             <a:fld id="{8C79BBDF-9609-6441-8014-3532B89A3E0A}" type="datetimeFigureOut">
               <a:rPr kumimoji="1" lang="ja-JP" altLang="en-US" smtClean="0"/>
-              <a:t>2024/11/11</a:t>
+              <a:t>2024/12/2</a:t>
             </a:fld>
             <a:endParaRPr kumimoji="1" lang="ja-JP" altLang="en-US"/>
           </a:p>
@@ -2613,7 +2613,7 @@
           <a:p>
             <a:fld id="{8C79BBDF-9609-6441-8014-3532B89A3E0A}" type="datetimeFigureOut">
               <a:rPr kumimoji="1" lang="ja-JP" altLang="en-US" smtClean="0"/>
-              <a:t>2024/11/11</a:t>
+              <a:t>2024/12/2</a:t>
             </a:fld>
             <a:endParaRPr kumimoji="1" lang="ja-JP" altLang="en-US"/>
           </a:p>
@@ -2870,7 +2870,7 @@
           <a:p>
             <a:fld id="{8C79BBDF-9609-6441-8014-3532B89A3E0A}" type="datetimeFigureOut">
               <a:rPr kumimoji="1" lang="ja-JP" altLang="en-US" smtClean="0"/>
-              <a:t>2024/11/11</a:t>
+              <a:t>2024/12/2</a:t>
             </a:fld>
             <a:endParaRPr kumimoji="1" lang="ja-JP" altLang="en-US"/>
           </a:p>
@@ -3115,7 +3115,7 @@
           <a:p>
             <a:fld id="{8C79BBDF-9609-6441-8014-3532B89A3E0A}" type="datetimeFigureOut">
               <a:rPr kumimoji="1" lang="ja-JP" altLang="en-US" smtClean="0"/>
-              <a:t>2024/11/11</a:t>
+              <a:t>2024/12/2</a:t>
             </a:fld>
             <a:endParaRPr kumimoji="1" lang="ja-JP" altLang="en-US"/>
           </a:p>
@@ -10544,8 +10544,8 @@
         </p:nvSpPr>
         <p:spPr>
           <a:xfrm>
-            <a:off x="380771" y="1905025"/>
-            <a:ext cx="980103" cy="646331"/>
+            <a:off x="434583" y="1889587"/>
+            <a:ext cx="826013" cy="523220"/>
           </a:xfrm>
           <a:prstGeom prst="rect">
             <a:avLst/>
@@ -10558,23 +10558,31 @@
           </a:bodyPr>
           <a:lstStyle/>
           <a:p>
-            <a:r>
-              <a:rPr kumimoji="1" lang="en-US" altLang="ja-JP" dirty="0" err="1">
+            <a:pPr algn="ctr"/>
+            <a:r>
+              <a:rPr kumimoji="1" lang="en-US" altLang="ja-JP" sz="1400" dirty="0" err="1">
                 <a:solidFill>
                   <a:srgbClr val="FF0000"/>
                 </a:solidFill>
               </a:rPr>
               <a:t>wJCextA</a:t>
             </a:r>
-            <a:r>
-              <a:rPr kumimoji="1" lang="en-US" altLang="ja-JP" dirty="0">
+            <a:br>
+              <a:rPr kumimoji="1" lang="en-US" altLang="ja-JP" sz="1400" dirty="0">
+                <a:solidFill>
+                  <a:srgbClr val="FF0000"/>
+                </a:solidFill>
+              </a:rPr>
+            </a:br>
+            <a:r>
+              <a:rPr kumimoji="1" lang="en-US" altLang="ja-JP" sz="1400" dirty="0">
                 <a:solidFill>
                   <a:srgbClr val="FF0000"/>
                 </a:solidFill>
               </a:rPr>
               <a:t>(0)</a:t>
             </a:r>
-            <a:endParaRPr kumimoji="1" lang="ja-JP" altLang="en-US" dirty="0">
+            <a:endParaRPr kumimoji="1" lang="ja-JP" altLang="en-US" sz="1400" dirty="0">
               <a:solidFill>
                 <a:srgbClr val="FF0000"/>
               </a:solidFill>
@@ -10610,6 +10618,7 @@
           </a:bodyPr>
           <a:lstStyle/>
           <a:p>
+            <a:pPr algn="ctr"/>
             <a:r>
               <a:rPr kumimoji="1" lang="en-US" altLang="ja-JP" dirty="0">
                 <a:solidFill>
@@ -10620,6 +10629,7 @@
             </a:r>
           </a:p>
           <a:p>
+            <a:pPr algn="ctr"/>
             <a:r>
               <a:rPr kumimoji="1" lang="en-US" altLang="ja-JP" dirty="0">
                 <a:solidFill>
@@ -10650,7 +10660,7 @@
         </p:nvSpPr>
         <p:spPr>
           <a:xfrm>
-            <a:off x="2758294" y="4937020"/>
+            <a:off x="2727648" y="4939485"/>
             <a:ext cx="512457" cy="646331"/>
           </a:xfrm>
           <a:prstGeom prst="rect">
@@ -10664,6 +10674,7 @@
           </a:bodyPr>
           <a:lstStyle/>
           <a:p>
+            <a:pPr algn="ctr"/>
             <a:r>
               <a:rPr kumimoji="1" lang="en-US" altLang="ja-JP" dirty="0">
                 <a:solidFill>
@@ -10674,6 +10685,7 @@
             </a:r>
           </a:p>
           <a:p>
+            <a:pPr algn="ctr"/>
             <a:r>
               <a:rPr kumimoji="1" lang="en-US" altLang="ja-JP" dirty="0">
                 <a:solidFill>
@@ -10704,8 +10716,8 @@
         </p:nvSpPr>
         <p:spPr>
           <a:xfrm>
-            <a:off x="4757797" y="1832299"/>
-            <a:ext cx="1097356" cy="646331"/>
+            <a:off x="4624117" y="1833121"/>
+            <a:ext cx="1097356" cy="523220"/>
           </a:xfrm>
           <a:prstGeom prst="rect">
             <a:avLst/>
@@ -10718,30 +10730,32 @@
           </a:bodyPr>
           <a:lstStyle/>
           <a:p>
-            <a:r>
-              <a:rPr kumimoji="1" lang="en-US" altLang="ja-JP" dirty="0" err="1">
+            <a:pPr algn="ctr"/>
+            <a:r>
+              <a:rPr kumimoji="1" lang="en-US" altLang="ja-JP" sz="1400" dirty="0" err="1">
                 <a:solidFill>
                   <a:srgbClr val="FF0000"/>
                 </a:solidFill>
               </a:rPr>
               <a:t>wJCextC</a:t>
             </a:r>
-            <a:endParaRPr kumimoji="1" lang="en-US" altLang="ja-JP" dirty="0">
+            <a:endParaRPr kumimoji="1" lang="en-US" altLang="ja-JP" sz="1400" dirty="0">
               <a:solidFill>
                 <a:srgbClr val="FF0000"/>
               </a:solidFill>
             </a:endParaRPr>
           </a:p>
           <a:p>
-            <a:r>
-              <a:rPr kumimoji="1" lang="en-US" altLang="ja-JP" dirty="0">
+            <a:pPr algn="ctr"/>
+            <a:r>
+              <a:rPr kumimoji="1" lang="en-US" altLang="ja-JP" sz="1400" dirty="0">
                 <a:solidFill>
                   <a:srgbClr val="FF0000"/>
                 </a:solidFill>
               </a:rPr>
               <a:t>(00)</a:t>
             </a:r>
-            <a:endParaRPr kumimoji="1" lang="ja-JP" altLang="en-US" dirty="0">
+            <a:endParaRPr kumimoji="1" lang="ja-JP" altLang="en-US" sz="1400" dirty="0">
               <a:solidFill>
                 <a:srgbClr val="FF0000"/>
               </a:solidFill>
@@ -10763,7 +10777,7 @@
         </p:nvSpPr>
         <p:spPr>
           <a:xfrm>
-            <a:off x="7051860" y="1780544"/>
+            <a:off x="7001060" y="1750396"/>
             <a:ext cx="566941" cy="646331"/>
           </a:xfrm>
           <a:prstGeom prst="rect">
@@ -10777,6 +10791,7 @@
           </a:bodyPr>
           <a:lstStyle/>
           <a:p>
+            <a:pPr algn="ctr"/>
             <a:r>
               <a:rPr kumimoji="1" lang="en-US" altLang="ja-JP" dirty="0">
                 <a:solidFill>
@@ -10787,6 +10802,7 @@
             </a:r>
           </a:p>
           <a:p>
+            <a:pPr algn="ctr"/>
             <a:r>
               <a:rPr kumimoji="1" lang="en-US" altLang="ja-JP" dirty="0">
                 <a:solidFill>
@@ -10817,7 +10833,7 @@
         </p:nvSpPr>
         <p:spPr>
           <a:xfrm>
-            <a:off x="9200990" y="1780544"/>
+            <a:off x="9143570" y="1737520"/>
             <a:ext cx="666518" cy="646331"/>
           </a:xfrm>
           <a:prstGeom prst="rect">
@@ -10831,6 +10847,7 @@
           </a:bodyPr>
           <a:lstStyle/>
           <a:p>
+            <a:pPr algn="ctr"/>
             <a:r>
               <a:rPr kumimoji="1" lang="en-US" altLang="ja-JP" dirty="0">
                 <a:solidFill>
@@ -10841,6 +10858,7 @@
             </a:r>
           </a:p>
           <a:p>
+            <a:pPr algn="ctr"/>
             <a:r>
               <a:rPr kumimoji="1" lang="en-US" altLang="ja-JP" dirty="0">
                 <a:solidFill>
@@ -10871,7 +10889,7 @@
         </p:nvSpPr>
         <p:spPr>
           <a:xfrm>
-            <a:off x="11406340" y="1793524"/>
+            <a:off x="11306462" y="1766525"/>
             <a:ext cx="697627" cy="646331"/>
           </a:xfrm>
           <a:prstGeom prst="rect">
@@ -10885,6 +10903,7 @@
           </a:bodyPr>
           <a:lstStyle/>
           <a:p>
+            <a:pPr algn="ctr"/>
             <a:r>
               <a:rPr kumimoji="1" lang="en-US" altLang="ja-JP" dirty="0">
                 <a:solidFill>
@@ -10895,6 +10914,7 @@
             </a:r>
           </a:p>
           <a:p>
+            <a:pPr algn="ctr"/>
             <a:r>
               <a:rPr kumimoji="1" lang="en-US" altLang="ja-JP" dirty="0">
                 <a:solidFill>
@@ -10925,7 +10945,7 @@
         </p:nvSpPr>
         <p:spPr>
           <a:xfrm>
-            <a:off x="7081889" y="5114622"/>
+            <a:off x="7011003" y="4930509"/>
             <a:ext cx="593958" cy="646331"/>
           </a:xfrm>
           <a:prstGeom prst="rect">
@@ -10939,6 +10959,7 @@
           </a:bodyPr>
           <a:lstStyle/>
           <a:p>
+            <a:pPr algn="ctr"/>
             <a:r>
               <a:rPr kumimoji="1" lang="en-US" altLang="ja-JP" dirty="0">
                 <a:solidFill>
@@ -10949,6 +10970,7 @@
             </a:r>
           </a:p>
           <a:p>
+            <a:pPr algn="ctr"/>
             <a:r>
               <a:rPr kumimoji="1" lang="en-US" altLang="ja-JP" dirty="0">
                 <a:solidFill>
@@ -10979,7 +11001,7 @@
         </p:nvSpPr>
         <p:spPr>
           <a:xfrm>
-            <a:off x="9241773" y="5007029"/>
+            <a:off x="9183944" y="4957136"/>
             <a:ext cx="646499" cy="646331"/>
           </a:xfrm>
           <a:prstGeom prst="rect">
@@ -10993,6 +11015,7 @@
           </a:bodyPr>
           <a:lstStyle/>
           <a:p>
+            <a:pPr algn="ctr"/>
             <a:r>
               <a:rPr kumimoji="1" lang="en-US" altLang="ja-JP" dirty="0">
                 <a:solidFill>
@@ -11003,6 +11026,7 @@
             </a:r>
           </a:p>
           <a:p>
+            <a:pPr algn="ctr"/>
             <a:r>
               <a:rPr kumimoji="1" lang="en-US" altLang="ja-JP" dirty="0">
                 <a:solidFill>
@@ -11033,7 +11057,7 @@
         </p:nvSpPr>
         <p:spPr>
           <a:xfrm>
-            <a:off x="11424064" y="5071581"/>
+            <a:off x="11369052" y="4958232"/>
             <a:ext cx="593239" cy="646331"/>
           </a:xfrm>
           <a:prstGeom prst="rect">
@@ -11047,6 +11071,7 @@
           </a:bodyPr>
           <a:lstStyle/>
           <a:p>
+            <a:pPr algn="ctr"/>
             <a:r>
               <a:rPr kumimoji="1" lang="en-US" altLang="ja-JP" dirty="0">
                 <a:solidFill>
@@ -11057,6 +11082,7 @@
             </a:r>
           </a:p>
           <a:p>
+            <a:pPr algn="ctr"/>
             <a:r>
               <a:rPr kumimoji="1" lang="en-US" altLang="ja-JP" dirty="0">
                 <a:solidFill>
@@ -11101,6 +11127,7 @@
           </a:bodyPr>
           <a:lstStyle/>
           <a:p>
+            <a:pPr algn="ctr"/>
             <a:r>
               <a:rPr kumimoji="1" lang="en-US" altLang="ja-JP" dirty="0">
                 <a:solidFill>
@@ -11111,6 +11138,7 @@
             </a:r>
           </a:p>
           <a:p>
+            <a:pPr algn="ctr"/>
             <a:r>
               <a:rPr kumimoji="1" lang="en-US" altLang="ja-JP" dirty="0">
                 <a:solidFill>
@@ -11155,6 +11183,7 @@
           </a:bodyPr>
           <a:lstStyle/>
           <a:p>
+            <a:pPr algn="ctr"/>
             <a:r>
               <a:rPr kumimoji="1" lang="en-US" altLang="ja-JP" dirty="0">
                 <a:solidFill>
@@ -11165,6 +11194,7 @@
             </a:r>
           </a:p>
           <a:p>
+            <a:pPr algn="ctr"/>
             <a:r>
               <a:rPr kumimoji="1" lang="en-US" altLang="ja-JP" dirty="0">
                 <a:solidFill>
@@ -11195,7 +11225,7 @@
         </p:nvSpPr>
         <p:spPr>
           <a:xfrm>
-            <a:off x="7015972" y="7436396"/>
+            <a:off x="6986874" y="7454544"/>
             <a:ext cx="697627" cy="646331"/>
           </a:xfrm>
           <a:prstGeom prst="rect">
@@ -11209,6 +11239,7 @@
           </a:bodyPr>
           <a:lstStyle/>
           <a:p>
+            <a:pPr algn="ctr"/>
             <a:r>
               <a:rPr kumimoji="1" lang="en-US" altLang="ja-JP" dirty="0">
                 <a:solidFill>
@@ -11219,8 +11250,9 @@
             </a:r>
           </a:p>
           <a:p>
-            <a:r>
-              <a:rPr kumimoji="1" lang="en-US" altLang="ja-JP">
+            <a:pPr algn="ctr"/>
+            <a:r>
+              <a:rPr kumimoji="1" lang="en-US" altLang="ja-JP" dirty="0">
                 <a:solidFill>
                   <a:srgbClr val="FF0000"/>
                 </a:solidFill>
@@ -11249,7 +11281,7 @@
         </p:nvSpPr>
         <p:spPr>
           <a:xfrm>
-            <a:off x="9162752" y="7429977"/>
+            <a:off x="9074051" y="7444741"/>
             <a:ext cx="826270" cy="646331"/>
           </a:xfrm>
           <a:prstGeom prst="rect">
@@ -11263,6 +11295,7 @@
           </a:bodyPr>
           <a:lstStyle/>
           <a:p>
+            <a:pPr algn="ctr"/>
             <a:r>
               <a:rPr kumimoji="1" lang="en-US" altLang="ja-JP" dirty="0">
                 <a:solidFill>
@@ -11273,6 +11306,7 @@
             </a:r>
           </a:p>
           <a:p>
+            <a:pPr algn="ctr"/>
             <a:r>
               <a:rPr kumimoji="1" lang="en-US" altLang="ja-JP" dirty="0">
                 <a:solidFill>
@@ -11303,7 +11337,7 @@
         </p:nvSpPr>
         <p:spPr>
           <a:xfrm>
-            <a:off x="11351824" y="7571610"/>
+            <a:off x="11262630" y="7455617"/>
             <a:ext cx="768702" cy="646331"/>
           </a:xfrm>
           <a:prstGeom prst="rect">
@@ -11317,6 +11351,7 @@
           </a:bodyPr>
           <a:lstStyle/>
           <a:p>
+            <a:pPr algn="ctr"/>
             <a:r>
               <a:rPr kumimoji="1" lang="en-US" altLang="ja-JP" dirty="0">
                 <a:solidFill>
@@ -11327,6 +11362,7 @@
             </a:r>
           </a:p>
           <a:p>
+            <a:pPr algn="ctr"/>
             <a:r>
               <a:rPr kumimoji="1" lang="en-US" altLang="ja-JP" dirty="0">
                 <a:solidFill>
@@ -11371,6 +11407,7 @@
           </a:bodyPr>
           <a:lstStyle/>
           <a:p>
+            <a:pPr algn="ctr"/>
             <a:r>
               <a:rPr kumimoji="1" lang="en-US" altLang="ja-JP" dirty="0" err="1"/>
               <a:t>cJCextB</a:t>
@@ -11407,6 +11444,7 @@
           </a:bodyPr>
           <a:lstStyle/>
           <a:p>
+            <a:pPr algn="ctr"/>
             <a:r>
               <a:rPr kumimoji="1" lang="en-US" altLang="ja-JP" dirty="0" err="1"/>
               <a:t>cJCextC</a:t>
@@ -11430,7 +11468,7 @@
         <p:spPr>
           <a:xfrm>
             <a:off x="322594" y="5035604"/>
-            <a:ext cx="980103" cy="646331"/>
+            <a:ext cx="980103" cy="523220"/>
           </a:xfrm>
           <a:prstGeom prst="rect">
             <a:avLst/>
@@ -11443,23 +11481,31 @@
           </a:bodyPr>
           <a:lstStyle/>
           <a:p>
-            <a:r>
-              <a:rPr kumimoji="1" lang="en-US" altLang="ja-JP" dirty="0" err="1">
+            <a:pPr algn="ctr"/>
+            <a:r>
+              <a:rPr kumimoji="1" lang="en-US" altLang="ja-JP" sz="1400" dirty="0" err="1">
                 <a:solidFill>
                   <a:srgbClr val="FF0000"/>
                 </a:solidFill>
               </a:rPr>
               <a:t>wJCextB</a:t>
             </a:r>
-            <a:r>
-              <a:rPr kumimoji="1" lang="en-US" altLang="ja-JP" dirty="0">
+            <a:br>
+              <a:rPr kumimoji="1" lang="en-US" altLang="ja-JP" sz="1400" dirty="0">
+                <a:solidFill>
+                  <a:srgbClr val="FF0000"/>
+                </a:solidFill>
+              </a:rPr>
+            </a:br>
+            <a:r>
+              <a:rPr kumimoji="1" lang="en-US" altLang="ja-JP" sz="1400" dirty="0">
                 <a:solidFill>
                   <a:srgbClr val="FF0000"/>
                 </a:solidFill>
               </a:rPr>
               <a:t>(0)</a:t>
             </a:r>
-            <a:endParaRPr kumimoji="1" lang="ja-JP" altLang="en-US" dirty="0">
+            <a:endParaRPr kumimoji="1" lang="ja-JP" altLang="en-US" sz="1400" dirty="0">
               <a:solidFill>
                 <a:srgbClr val="FF0000"/>
               </a:solidFill>
@@ -11495,6 +11541,7 @@
           </a:bodyPr>
           <a:lstStyle/>
           <a:p>
+            <a:pPr algn="ctr"/>
             <a:r>
               <a:rPr kumimoji="1" lang="en-US" altLang="ja-JP" dirty="0" err="1"/>
               <a:t>cJCextA</a:t>
@@ -11531,6 +11578,7 @@
           </a:bodyPr>
           <a:lstStyle/>
           <a:p>
+            <a:pPr algn="ctr"/>
             <a:r>
               <a:rPr kumimoji="1" lang="en-US" altLang="ja-JP" dirty="0" err="1"/>
               <a:t>cJCextD</a:t>
@@ -11553,8 +11601,8 @@
         </p:nvSpPr>
         <p:spPr>
           <a:xfrm>
-            <a:off x="4748854" y="4953323"/>
-            <a:ext cx="1097356" cy="646331"/>
+            <a:off x="4624117" y="5009934"/>
+            <a:ext cx="1097356" cy="523220"/>
           </a:xfrm>
           <a:prstGeom prst="rect">
             <a:avLst/>
@@ -11567,30 +11615,32 @@
           </a:bodyPr>
           <a:lstStyle/>
           <a:p>
-            <a:r>
-              <a:rPr kumimoji="1" lang="en-US" altLang="ja-JP" dirty="0" err="1">
+            <a:pPr algn="ctr"/>
+            <a:r>
+              <a:rPr kumimoji="1" lang="en-US" altLang="ja-JP" sz="1400" dirty="0" err="1">
                 <a:solidFill>
                   <a:srgbClr val="FF0000"/>
                 </a:solidFill>
               </a:rPr>
               <a:t>wJCextD</a:t>
             </a:r>
-            <a:endParaRPr kumimoji="1" lang="en-US" altLang="ja-JP" dirty="0">
+            <a:endParaRPr kumimoji="1" lang="en-US" altLang="ja-JP" sz="1400" dirty="0">
               <a:solidFill>
                 <a:srgbClr val="FF0000"/>
               </a:solidFill>
             </a:endParaRPr>
           </a:p>
           <a:p>
-            <a:r>
-              <a:rPr kumimoji="1" lang="en-US" altLang="ja-JP" dirty="0">
+            <a:pPr algn="ctr"/>
+            <a:r>
+              <a:rPr kumimoji="1" lang="en-US" altLang="ja-JP" sz="1400" dirty="0">
                 <a:solidFill>
                   <a:srgbClr val="FF0000"/>
                 </a:solidFill>
               </a:rPr>
               <a:t>(00)</a:t>
             </a:r>
-            <a:endParaRPr kumimoji="1" lang="ja-JP" altLang="en-US" dirty="0">
+            <a:endParaRPr kumimoji="1" lang="ja-JP" altLang="en-US" sz="1400" dirty="0">
               <a:solidFill>
                 <a:srgbClr val="FF0000"/>
               </a:solidFill>
@@ -11612,8 +11662,8 @@
         </p:nvSpPr>
         <p:spPr>
           <a:xfrm>
-            <a:off x="402813" y="7492955"/>
-            <a:ext cx="1097356" cy="646331"/>
+            <a:off x="293775" y="7492955"/>
+            <a:ext cx="1097356" cy="523220"/>
           </a:xfrm>
           <a:prstGeom prst="rect">
             <a:avLst/>
@@ -11626,30 +11676,32 @@
           </a:bodyPr>
           <a:lstStyle/>
           <a:p>
-            <a:r>
-              <a:rPr kumimoji="1" lang="en-US" altLang="ja-JP" dirty="0" err="1">
+            <a:pPr algn="ctr"/>
+            <a:r>
+              <a:rPr kumimoji="1" lang="en-US" altLang="ja-JP" sz="1400" dirty="0" err="1">
                 <a:solidFill>
                   <a:srgbClr val="FF0000"/>
                 </a:solidFill>
               </a:rPr>
               <a:t>wJCextE</a:t>
             </a:r>
-            <a:endParaRPr kumimoji="1" lang="en-US" altLang="ja-JP" dirty="0">
+            <a:endParaRPr kumimoji="1" lang="en-US" altLang="ja-JP" sz="1400" dirty="0">
               <a:solidFill>
                 <a:srgbClr val="FF0000"/>
               </a:solidFill>
             </a:endParaRPr>
           </a:p>
           <a:p>
-            <a:r>
-              <a:rPr kumimoji="1" lang="en-US" altLang="ja-JP" dirty="0">
+            <a:pPr algn="ctr"/>
+            <a:r>
+              <a:rPr kumimoji="1" lang="en-US" altLang="ja-JP" sz="1400" dirty="0">
                 <a:solidFill>
                   <a:srgbClr val="FF0000"/>
                 </a:solidFill>
               </a:rPr>
               <a:t>(000)</a:t>
             </a:r>
-            <a:endParaRPr kumimoji="1" lang="ja-JP" altLang="en-US" dirty="0">
+            <a:endParaRPr kumimoji="1" lang="ja-JP" altLang="en-US" sz="1400" dirty="0">
               <a:solidFill>
                 <a:srgbClr val="FF0000"/>
               </a:solidFill>
@@ -11685,6 +11737,7 @@
           </a:bodyPr>
           <a:lstStyle/>
           <a:p>
+            <a:pPr algn="ctr"/>
             <a:r>
               <a:rPr kumimoji="1" lang="en-US" altLang="ja-JP" dirty="0" err="1"/>
               <a:t>cJCextE</a:t>
@@ -11721,6 +11774,7 @@
           </a:bodyPr>
           <a:lstStyle/>
           <a:p>
+            <a:pPr algn="ctr"/>
             <a:r>
               <a:rPr kumimoji="1" lang="en-US" altLang="ja-JP" dirty="0"/>
               <a:t>cs1</a:t>
@@ -11757,57 +11811,10 @@
           </a:bodyPr>
           <a:lstStyle/>
           <a:p>
+            <a:pPr algn="ctr"/>
             <a:r>
               <a:rPr kumimoji="1" lang="en-US" altLang="ja-JP" dirty="0"/>
               <a:t>cs2</a:t>
-            </a:r>
-            <a:endParaRPr kumimoji="1" lang="ja-JP" altLang="en-US" dirty="0"/>
-          </a:p>
-        </p:txBody>
-      </p:sp>
-      <p:sp>
-        <p:nvSpPr>
-          <p:cNvPr id="28" name="テキスト ボックス 27">
-            <a:extLst>
-              <a:ext uri="{FF2B5EF4-FFF2-40B4-BE49-F238E27FC236}">
-                <a16:creationId xmlns:a16="http://schemas.microsoft.com/office/drawing/2014/main" id="{2B6CBAAA-8EF2-2CBB-EEFD-1E581772CD03}"/>
-              </a:ext>
-            </a:extLst>
-          </p:cNvPr>
-          <p:cNvSpPr txBox="1"/>
-          <p:nvPr/>
-        </p:nvSpPr>
-        <p:spPr>
-          <a:xfrm>
-            <a:off x="2476982" y="9595413"/>
-            <a:ext cx="3055382" cy="923330"/>
-          </a:xfrm>
-          <a:prstGeom prst="rect">
-            <a:avLst/>
-          </a:prstGeom>
-          <a:noFill/>
-        </p:spPr>
-        <p:txBody>
-          <a:bodyPr wrap="square" rtlCol="0">
-            <a:spAutoFit/>
-          </a:bodyPr>
-          <a:lstStyle/>
-          <a:p>
-            <a:r>
-              <a:rPr kumimoji="1" lang="ja-JP" altLang="en-US" dirty="0"/>
-              <a:t>ループしちゃっているところを次に進むため</a:t>
-            </a:r>
-            <a:r>
-              <a:rPr kumimoji="1" lang="en-US" altLang="ja-JP" dirty="0"/>
-              <a:t>cs2</a:t>
-            </a:r>
-            <a:r>
-              <a:rPr kumimoji="1" lang="ja-JP" altLang="en-US" dirty="0"/>
-              <a:t>や</a:t>
-            </a:r>
-            <a:r>
-              <a:rPr kumimoji="1" lang="en-US" altLang="ja-JP" dirty="0" err="1"/>
-              <a:t>cJCextE</a:t>
             </a:r>
             <a:endParaRPr kumimoji="1" lang="ja-JP" altLang="en-US" dirty="0"/>
           </a:p>
